--- a/현대자동차해커톤_산출물양식.pptx
+++ b/현대자동차해커톤_산출물양식.pptx
@@ -2658,7 +2658,7 @@
                 <a:latin typeface="현대하모니 L" panose="02020603020101020101" pitchFamily="18" charset="-127"/>
                 <a:ea typeface="현대하모니 L" panose="02020603020101020101" pitchFamily="18" charset="-127"/>
               </a:rPr>
-              <a:t>1(~17:00) </a:t>
+              <a:t>1 </a:t>
             </a:r>
           </a:p>
           <a:p>
@@ -2966,7 +2966,7 @@
         <p:spPr>
           <a:xfrm>
             <a:off x="354012" y="2017414"/>
-            <a:ext cx="9135492" cy="307777"/>
+            <a:ext cx="9135492" cy="523220"/>
           </a:xfrm>
           <a:prstGeom prst="rect">
             <a:avLst/>
@@ -2977,6 +2977,58 @@
             <a:spAutoFit/>
           </a:bodyPr>
           <a:lstStyle/>
+          <a:p>
+            <a:pPr marL="285750" indent="-285750">
+              <a:buFont typeface="Arial" panose="020B0604020202020204" pitchFamily="34" charset="0"/>
+              <a:buChar char="•"/>
+              <a:defRPr/>
+            </a:pPr>
+            <a:r>
+              <a:rPr lang="ko-KR" altLang="en-US" sz="1400" b="0" dirty="0">
+                <a:solidFill>
+                  <a:schemeClr val="bg1">
+                    <a:lumMod val="50000"/>
+                  </a:schemeClr>
+                </a:solidFill>
+                <a:latin typeface="현대하모니 L" panose="02020603020101020101" pitchFamily="18" charset="-127"/>
+                <a:ea typeface="현대하모니 L" panose="02020603020101020101" pitchFamily="18" charset="-127"/>
+              </a:rPr>
+              <a:t>운전자의 습관을 학습해 범죄</a:t>
+            </a:r>
+            <a:r>
+              <a:rPr lang="en-US" altLang="ko-KR" sz="1400" b="0" dirty="0">
+                <a:solidFill>
+                  <a:schemeClr val="bg1">
+                    <a:lumMod val="50000"/>
+                  </a:schemeClr>
+                </a:solidFill>
+                <a:latin typeface="현대하모니 L" panose="02020603020101020101" pitchFamily="18" charset="-127"/>
+                <a:ea typeface="현대하모니 L" panose="02020603020101020101" pitchFamily="18" charset="-127"/>
+              </a:rPr>
+              <a:t>, </a:t>
+            </a:r>
+            <a:r>
+              <a:rPr lang="ko-KR" altLang="en-US" sz="1400" b="0" dirty="0">
+                <a:solidFill>
+                  <a:schemeClr val="bg1">
+                    <a:lumMod val="50000"/>
+                  </a:schemeClr>
+                </a:solidFill>
+                <a:latin typeface="현대하모니 L" panose="02020603020101020101" pitchFamily="18" charset="-127"/>
+                <a:ea typeface="현대하모니 L" panose="02020603020101020101" pitchFamily="18" charset="-127"/>
+              </a:rPr>
+              <a:t>사고예방 등에 활용될 수 있는 시스템 제작</a:t>
+            </a:r>
+            <a:endParaRPr lang="en-US" altLang="ko-KR" sz="1400" b="0" dirty="0">
+              <a:solidFill>
+                <a:schemeClr val="bg1">
+                  <a:lumMod val="50000"/>
+                </a:schemeClr>
+              </a:solidFill>
+              <a:latin typeface="현대하모니 L" panose="02020603020101020101" pitchFamily="18" charset="-127"/>
+              <a:ea typeface="현대하모니 L" panose="02020603020101020101" pitchFamily="18" charset="-127"/>
+            </a:endParaRPr>
+          </a:p>
           <a:p>
             <a:pPr marL="285750" indent="-285750">
               <a:buFont typeface="Arial" panose="020B0604020202020204" pitchFamily="34" charset="0"/>
@@ -3931,7 +3983,7 @@
         <p:spPr>
           <a:xfrm>
             <a:off x="354012" y="1009302"/>
-            <a:ext cx="9135492" cy="307777"/>
+            <a:ext cx="9135492" cy="523220"/>
           </a:xfrm>
           <a:prstGeom prst="rect">
             <a:avLst/>
@@ -3958,6 +4010,58 @@
                 <a:latin typeface="현대하모니 L" panose="02020603020101020101" pitchFamily="18" charset="-127"/>
                 <a:ea typeface="현대하모니 L" panose="02020603020101020101" pitchFamily="18" charset="-127"/>
               </a:rPr>
+              <a:t>운전자의 습관을 학습해 범죄</a:t>
+            </a:r>
+            <a:r>
+              <a:rPr lang="en-US" altLang="ko-KR" sz="1400" b="0" dirty="0">
+                <a:solidFill>
+                  <a:schemeClr val="bg1">
+                    <a:lumMod val="50000"/>
+                  </a:schemeClr>
+                </a:solidFill>
+                <a:latin typeface="현대하모니 L" panose="02020603020101020101" pitchFamily="18" charset="-127"/>
+                <a:ea typeface="현대하모니 L" panose="02020603020101020101" pitchFamily="18" charset="-127"/>
+              </a:rPr>
+              <a:t>, </a:t>
+            </a:r>
+            <a:r>
+              <a:rPr lang="ko-KR" altLang="en-US" sz="1400" b="0" dirty="0">
+                <a:solidFill>
+                  <a:schemeClr val="bg1">
+                    <a:lumMod val="50000"/>
+                  </a:schemeClr>
+                </a:solidFill>
+                <a:latin typeface="현대하모니 L" panose="02020603020101020101" pitchFamily="18" charset="-127"/>
+                <a:ea typeface="현대하모니 L" panose="02020603020101020101" pitchFamily="18" charset="-127"/>
+              </a:rPr>
+              <a:t>사고예방 등에 활용될 수 있는 시스템 제작</a:t>
+            </a:r>
+            <a:endParaRPr lang="en-US" altLang="ko-KR" sz="1400" b="0" dirty="0">
+              <a:solidFill>
+                <a:schemeClr val="bg1">
+                  <a:lumMod val="50000"/>
+                </a:schemeClr>
+              </a:solidFill>
+              <a:latin typeface="현대하모니 L" panose="02020603020101020101" pitchFamily="18" charset="-127"/>
+              <a:ea typeface="현대하모니 L" panose="02020603020101020101" pitchFamily="18" charset="-127"/>
+            </a:endParaRPr>
+          </a:p>
+          <a:p>
+            <a:pPr marL="285750" indent="-285750">
+              <a:buFont typeface="Arial" panose="020B0604020202020204" pitchFamily="34" charset="0"/>
+              <a:buChar char="•"/>
+              <a:defRPr/>
+            </a:pPr>
+            <a:r>
+              <a:rPr lang="ko-KR" altLang="en-US" sz="1400" b="0" dirty="0">
+                <a:solidFill>
+                  <a:schemeClr val="bg1">
+                    <a:lumMod val="50000"/>
+                  </a:schemeClr>
+                </a:solidFill>
+                <a:latin typeface="현대하모니 L" panose="02020603020101020101" pitchFamily="18" charset="-127"/>
+                <a:ea typeface="현대하모니 L" panose="02020603020101020101" pitchFamily="18" charset="-127"/>
+              </a:rPr>
               <a:t>차량 로그 정보에서 나올 수 있는 여러 운전자의 특징들을 추출하여 학습한 후 타 운전자와 구분가능한지 확인해 본다</a:t>
             </a:r>
             <a:r>
@@ -3982,7 +4086,7 @@
                 <a:latin typeface="현대하모니 L" panose="02020603020101020101" pitchFamily="18" charset="-127"/>
                 <a:ea typeface="현대하모니 L" panose="02020603020101020101" pitchFamily="18" charset="-127"/>
               </a:rPr>
-              <a:t> </a:t>
+              <a:t>  </a:t>
             </a:r>
             <a:endParaRPr lang="en-US" altLang="ko-KR" sz="1400" b="0" dirty="0">
               <a:solidFill>
@@ -4053,7 +4157,7 @@
               <a:defRPr/>
             </a:pPr>
             <a:r>
-              <a:rPr lang="en-US" altLang="ko-KR" sz="1600" b="0" dirty="0">
+              <a:rPr lang="en-US" altLang="ko-KR" sz="1600" dirty="0">
                 <a:solidFill>
                   <a:schemeClr val="bg1">
                     <a:lumMod val="50000"/>
@@ -4298,7 +4402,7 @@
       </p:pic>
       <p:pic>
         <p:nvPicPr>
-          <p:cNvPr id="3" name="그림 2"/>
+          <p:cNvPr id="4" name="그림 3"/>
           <p:cNvPicPr>
             <a:picLocks noChangeAspect="1"/>
           </p:cNvPicPr>
@@ -4318,8 +4422,37 @@
         </p:blipFill>
         <p:spPr>
           <a:xfrm>
-            <a:off x="6033120" y="4094834"/>
-            <a:ext cx="3273564" cy="2455173"/>
+            <a:off x="4520952" y="3861048"/>
+            <a:ext cx="3186756" cy="2390067"/>
+          </a:xfrm>
+          <a:prstGeom prst="rect">
+            <a:avLst/>
+          </a:prstGeom>
+        </p:spPr>
+      </p:pic>
+      <p:pic>
+        <p:nvPicPr>
+          <p:cNvPr id="3" name="그림 2"/>
+          <p:cNvPicPr>
+            <a:picLocks noChangeAspect="1"/>
+          </p:cNvPicPr>
+          <p:nvPr/>
+        </p:nvPicPr>
+        <p:blipFill rotWithShape="1">
+          <a:blip r:embed="rId4" cstate="print">
+            <a:extLst>
+              <a:ext uri="{28A0092B-C50C-407E-A947-70E740481C1C}">
+                <a14:useLocalDpi xmlns:a14="http://schemas.microsoft.com/office/drawing/2010/main" val="0"/>
+              </a:ext>
+            </a:extLst>
+          </a:blip>
+          <a:srcRect l="4400" t="6332"/>
+          <a:stretch/>
+        </p:blipFill>
+        <p:spPr>
+          <a:xfrm>
+            <a:off x="5601072" y="4509120"/>
+            <a:ext cx="3129548" cy="2299721"/>
           </a:xfrm>
           <a:prstGeom prst="rect">
             <a:avLst/>
